--- a/css/2022_style/img/footer.pptx
+++ b/css/2022_style/img/footer.pptx
@@ -1,14 +1,17 @@
 
 <file path=ppt/presentation.xml><?xml version="1.0" encoding="utf-8"?>
-<p:presentation xmlns:a="http://schemas.openxmlformats.org/drawingml/2006/main" xmlns:r="http://schemas.openxmlformats.org/officeDocument/2006/relationships" xmlns:p="http://schemas.openxmlformats.org/presentationml/2006/main" saveSubsetFonts="1">
+<p:presentation xmlns:a="http://schemas.openxmlformats.org/drawingml/2006/main" xmlns:r="http://schemas.openxmlformats.org/officeDocument/2006/relationships" xmlns:p="http://schemas.openxmlformats.org/presentationml/2006/main">
   <p:sldMasterIdLst>
     <p:sldMasterId id="2147483648" r:id="rId1"/>
   </p:sldMasterIdLst>
   <p:sldIdLst>
-    <p:sldId id="256" r:id="rId2"/>
+    <p:sldId id="256" r:id="rId3"/>
   </p:sldIdLst>
   <p:sldSz cx="12192000" cy="6858000"/>
   <p:notesSz cx="6858000" cy="9144000"/>
+  <p:custDataLst>
+    <p:tags r:id="rId7"/>
+  </p:custDataLst>
   <p:defaultTextStyle>
     <a:defPPr>
       <a:defRPr lang="en-US"/>
@@ -104,11 +107,6 @@
       </a:defRPr>
     </a:lvl9pPr>
   </p:defaultTextStyle>
-  <p:extLst>
-    <p:ext uri="{EFAFB233-063F-42B5-8137-9DF3F51BA10A}">
-      <p15:sldGuideLst xmlns:p15="http://schemas.microsoft.com/office/powerpoint/2012/main"/>
-    </p:ext>
-  </p:extLst>
 </p:presentation>
 </file>
 
@@ -157,6 +155,7 @@
               <a:rPr lang="en-US"/>
               <a:t>Click to edit Master title style</a:t>
             </a:r>
+            <a:endParaRPr lang="en-US"/>
           </a:p>
         </p:txBody>
       </p:sp>
@@ -221,6 +220,7 @@
               <a:rPr lang="en-US"/>
               <a:t>Click to edit Master subtitle style</a:t>
             </a:r>
+            <a:endParaRPr lang="en-US"/>
           </a:p>
         </p:txBody>
       </p:sp>
@@ -241,7 +241,6 @@
           <a:p>
             <a:fld id="{63A1C593-65D0-4073-BCC9-577B9352EA97}" type="datetimeFigureOut">
               <a:rPr lang="en-US" smtClean="0"/>
-              <a:t>5/5/2022</a:t>
             </a:fld>
             <a:endParaRPr lang="en-US"/>
           </a:p>
@@ -283,18 +282,12 @@
           <a:p>
             <a:fld id="{9B618960-8005-486C-9A75-10CB2AAC16F9}" type="slidenum">
               <a:rPr lang="en-US" smtClean="0"/>
-              <a:t>‹#›</a:t>
             </a:fld>
             <a:endParaRPr lang="en-US"/>
           </a:p>
         </p:txBody>
       </p:sp>
     </p:spTree>
-    <p:extLst>
-      <p:ext uri="{BB962C8B-B14F-4D97-AF65-F5344CB8AC3E}">
-        <p14:creationId xmlns:p14="http://schemas.microsoft.com/office/powerpoint/2010/main" val="4001249340"/>
-      </p:ext>
-    </p:extLst>
   </p:cSld>
   <p:clrMapOvr>
     <a:masterClrMapping/>
@@ -338,6 +331,7 @@
               <a:rPr lang="en-US"/>
               <a:t>Click to edit Master title style</a:t>
             </a:r>
+            <a:endParaRPr lang="en-US"/>
           </a:p>
         </p:txBody>
       </p:sp>
@@ -361,6 +355,7 @@
               <a:rPr lang="en-US"/>
               <a:t>Click to edit Master text styles</a:t>
             </a:r>
+            <a:endParaRPr lang="en-US"/>
           </a:p>
           <a:p>
             <a:pPr lvl="1"/>
@@ -368,6 +363,7 @@
               <a:rPr lang="en-US"/>
               <a:t>Second level</a:t>
             </a:r>
+            <a:endParaRPr lang="en-US"/>
           </a:p>
           <a:p>
             <a:pPr lvl="2"/>
@@ -375,6 +371,7 @@
               <a:rPr lang="en-US"/>
               <a:t>Third level</a:t>
             </a:r>
+            <a:endParaRPr lang="en-US"/>
           </a:p>
           <a:p>
             <a:pPr lvl="3"/>
@@ -382,6 +379,7 @@
               <a:rPr lang="en-US"/>
               <a:t>Fourth level</a:t>
             </a:r>
+            <a:endParaRPr lang="en-US"/>
           </a:p>
           <a:p>
             <a:pPr lvl="4"/>
@@ -389,6 +387,7 @@
               <a:rPr lang="en-US"/>
               <a:t>Fifth level</a:t>
             </a:r>
+            <a:endParaRPr lang="en-US"/>
           </a:p>
         </p:txBody>
       </p:sp>
@@ -409,7 +408,6 @@
           <a:p>
             <a:fld id="{63A1C593-65D0-4073-BCC9-577B9352EA97}" type="datetimeFigureOut">
               <a:rPr lang="en-US" smtClean="0"/>
-              <a:t>5/5/2022</a:t>
             </a:fld>
             <a:endParaRPr lang="en-US"/>
           </a:p>
@@ -451,18 +449,12 @@
           <a:p>
             <a:fld id="{9B618960-8005-486C-9A75-10CB2AAC16F9}" type="slidenum">
               <a:rPr lang="en-US" smtClean="0"/>
-              <a:t>‹#›</a:t>
             </a:fld>
             <a:endParaRPr lang="en-US"/>
           </a:p>
         </p:txBody>
       </p:sp>
     </p:spTree>
-    <p:extLst>
-      <p:ext uri="{BB962C8B-B14F-4D97-AF65-F5344CB8AC3E}">
-        <p14:creationId xmlns:p14="http://schemas.microsoft.com/office/powerpoint/2010/main" val="682560079"/>
-      </p:ext>
-    </p:extLst>
   </p:cSld>
   <p:clrMapOvr>
     <a:masterClrMapping/>
@@ -511,6 +503,7 @@
               <a:rPr lang="en-US"/>
               <a:t>Click to edit Master title style</a:t>
             </a:r>
+            <a:endParaRPr lang="en-US"/>
           </a:p>
         </p:txBody>
       </p:sp>
@@ -539,6 +532,7 @@
               <a:rPr lang="en-US"/>
               <a:t>Click to edit Master text styles</a:t>
             </a:r>
+            <a:endParaRPr lang="en-US"/>
           </a:p>
           <a:p>
             <a:pPr lvl="1"/>
@@ -546,6 +540,7 @@
               <a:rPr lang="en-US"/>
               <a:t>Second level</a:t>
             </a:r>
+            <a:endParaRPr lang="en-US"/>
           </a:p>
           <a:p>
             <a:pPr lvl="2"/>
@@ -553,6 +548,7 @@
               <a:rPr lang="en-US"/>
               <a:t>Third level</a:t>
             </a:r>
+            <a:endParaRPr lang="en-US"/>
           </a:p>
           <a:p>
             <a:pPr lvl="3"/>
@@ -560,6 +556,7 @@
               <a:rPr lang="en-US"/>
               <a:t>Fourth level</a:t>
             </a:r>
+            <a:endParaRPr lang="en-US"/>
           </a:p>
           <a:p>
             <a:pPr lvl="4"/>
@@ -567,6 +564,7 @@
               <a:rPr lang="en-US"/>
               <a:t>Fifth level</a:t>
             </a:r>
+            <a:endParaRPr lang="en-US"/>
           </a:p>
         </p:txBody>
       </p:sp>
@@ -587,7 +585,6 @@
           <a:p>
             <a:fld id="{63A1C593-65D0-4073-BCC9-577B9352EA97}" type="datetimeFigureOut">
               <a:rPr lang="en-US" smtClean="0"/>
-              <a:t>5/5/2022</a:t>
             </a:fld>
             <a:endParaRPr lang="en-US"/>
           </a:p>
@@ -629,18 +626,12 @@
           <a:p>
             <a:fld id="{9B618960-8005-486C-9A75-10CB2AAC16F9}" type="slidenum">
               <a:rPr lang="en-US" smtClean="0"/>
-              <a:t>‹#›</a:t>
             </a:fld>
             <a:endParaRPr lang="en-US"/>
           </a:p>
         </p:txBody>
       </p:sp>
     </p:spTree>
-    <p:extLst>
-      <p:ext uri="{BB962C8B-B14F-4D97-AF65-F5344CB8AC3E}">
-        <p14:creationId xmlns:p14="http://schemas.microsoft.com/office/powerpoint/2010/main" val="3435286789"/>
-      </p:ext>
-    </p:extLst>
   </p:cSld>
   <p:clrMapOvr>
     <a:masterClrMapping/>
@@ -684,6 +675,7 @@
               <a:rPr lang="en-US"/>
               <a:t>Click to edit Master title style</a:t>
             </a:r>
+            <a:endParaRPr lang="en-US"/>
           </a:p>
         </p:txBody>
       </p:sp>
@@ -707,6 +699,7 @@
               <a:rPr lang="en-US"/>
               <a:t>Click to edit Master text styles</a:t>
             </a:r>
+            <a:endParaRPr lang="en-US"/>
           </a:p>
           <a:p>
             <a:pPr lvl="1"/>
@@ -714,6 +707,7 @@
               <a:rPr lang="en-US"/>
               <a:t>Second level</a:t>
             </a:r>
+            <a:endParaRPr lang="en-US"/>
           </a:p>
           <a:p>
             <a:pPr lvl="2"/>
@@ -721,6 +715,7 @@
               <a:rPr lang="en-US"/>
               <a:t>Third level</a:t>
             </a:r>
+            <a:endParaRPr lang="en-US"/>
           </a:p>
           <a:p>
             <a:pPr lvl="3"/>
@@ -728,6 +723,7 @@
               <a:rPr lang="en-US"/>
               <a:t>Fourth level</a:t>
             </a:r>
+            <a:endParaRPr lang="en-US"/>
           </a:p>
           <a:p>
             <a:pPr lvl="4"/>
@@ -735,6 +731,7 @@
               <a:rPr lang="en-US"/>
               <a:t>Fifth level</a:t>
             </a:r>
+            <a:endParaRPr lang="en-US"/>
           </a:p>
         </p:txBody>
       </p:sp>
@@ -755,7 +752,6 @@
           <a:p>
             <a:fld id="{63A1C593-65D0-4073-BCC9-577B9352EA97}" type="datetimeFigureOut">
               <a:rPr lang="en-US" smtClean="0"/>
-              <a:t>5/5/2022</a:t>
             </a:fld>
             <a:endParaRPr lang="en-US"/>
           </a:p>
@@ -797,18 +793,12 @@
           <a:p>
             <a:fld id="{9B618960-8005-486C-9A75-10CB2AAC16F9}" type="slidenum">
               <a:rPr lang="en-US" smtClean="0"/>
-              <a:t>‹#›</a:t>
             </a:fld>
             <a:endParaRPr lang="en-US"/>
           </a:p>
         </p:txBody>
       </p:sp>
     </p:spTree>
-    <p:extLst>
-      <p:ext uri="{BB962C8B-B14F-4D97-AF65-F5344CB8AC3E}">
-        <p14:creationId xmlns:p14="http://schemas.microsoft.com/office/powerpoint/2010/main" val="140206455"/>
-      </p:ext>
-    </p:extLst>
   </p:cSld>
   <p:clrMapOvr>
     <a:masterClrMapping/>
@@ -861,6 +851,7 @@
               <a:rPr lang="en-US"/>
               <a:t>Click to edit Master title style</a:t>
             </a:r>
+            <a:endParaRPr lang="en-US"/>
           </a:p>
         </p:txBody>
       </p:sp>
@@ -980,6 +971,7 @@
               <a:rPr lang="en-US"/>
               <a:t>Click to edit Master text styles</a:t>
             </a:r>
+            <a:endParaRPr lang="en-US"/>
           </a:p>
         </p:txBody>
       </p:sp>
@@ -1000,7 +992,6 @@
           <a:p>
             <a:fld id="{63A1C593-65D0-4073-BCC9-577B9352EA97}" type="datetimeFigureOut">
               <a:rPr lang="en-US" smtClean="0"/>
-              <a:t>5/5/2022</a:t>
             </a:fld>
             <a:endParaRPr lang="en-US"/>
           </a:p>
@@ -1042,18 +1033,12 @@
           <a:p>
             <a:fld id="{9B618960-8005-486C-9A75-10CB2AAC16F9}" type="slidenum">
               <a:rPr lang="en-US" smtClean="0"/>
-              <a:t>‹#›</a:t>
             </a:fld>
             <a:endParaRPr lang="en-US"/>
           </a:p>
         </p:txBody>
       </p:sp>
     </p:spTree>
-    <p:extLst>
-      <p:ext uri="{BB962C8B-B14F-4D97-AF65-F5344CB8AC3E}">
-        <p14:creationId xmlns:p14="http://schemas.microsoft.com/office/powerpoint/2010/main" val="1965547352"/>
-      </p:ext>
-    </p:extLst>
   </p:cSld>
   <p:clrMapOvr>
     <a:masterClrMapping/>
@@ -1097,6 +1082,7 @@
               <a:rPr lang="en-US"/>
               <a:t>Click to edit Master title style</a:t>
             </a:r>
+            <a:endParaRPr lang="en-US"/>
           </a:p>
         </p:txBody>
       </p:sp>
@@ -1125,6 +1111,7 @@
               <a:rPr lang="en-US"/>
               <a:t>Click to edit Master text styles</a:t>
             </a:r>
+            <a:endParaRPr lang="en-US"/>
           </a:p>
           <a:p>
             <a:pPr lvl="1"/>
@@ -1132,6 +1119,7 @@
               <a:rPr lang="en-US"/>
               <a:t>Second level</a:t>
             </a:r>
+            <a:endParaRPr lang="en-US"/>
           </a:p>
           <a:p>
             <a:pPr lvl="2"/>
@@ -1139,6 +1127,7 @@
               <a:rPr lang="en-US"/>
               <a:t>Third level</a:t>
             </a:r>
+            <a:endParaRPr lang="en-US"/>
           </a:p>
           <a:p>
             <a:pPr lvl="3"/>
@@ -1146,6 +1135,7 @@
               <a:rPr lang="en-US"/>
               <a:t>Fourth level</a:t>
             </a:r>
+            <a:endParaRPr lang="en-US"/>
           </a:p>
           <a:p>
             <a:pPr lvl="4"/>
@@ -1153,6 +1143,7 @@
               <a:rPr lang="en-US"/>
               <a:t>Fifth level</a:t>
             </a:r>
+            <a:endParaRPr lang="en-US"/>
           </a:p>
         </p:txBody>
       </p:sp>
@@ -1181,6 +1172,7 @@
               <a:rPr lang="en-US"/>
               <a:t>Click to edit Master text styles</a:t>
             </a:r>
+            <a:endParaRPr lang="en-US"/>
           </a:p>
           <a:p>
             <a:pPr lvl="1"/>
@@ -1188,6 +1180,7 @@
               <a:rPr lang="en-US"/>
               <a:t>Second level</a:t>
             </a:r>
+            <a:endParaRPr lang="en-US"/>
           </a:p>
           <a:p>
             <a:pPr lvl="2"/>
@@ -1195,6 +1188,7 @@
               <a:rPr lang="en-US"/>
               <a:t>Third level</a:t>
             </a:r>
+            <a:endParaRPr lang="en-US"/>
           </a:p>
           <a:p>
             <a:pPr lvl="3"/>
@@ -1202,6 +1196,7 @@
               <a:rPr lang="en-US"/>
               <a:t>Fourth level</a:t>
             </a:r>
+            <a:endParaRPr lang="en-US"/>
           </a:p>
           <a:p>
             <a:pPr lvl="4"/>
@@ -1209,6 +1204,7 @@
               <a:rPr lang="en-US"/>
               <a:t>Fifth level</a:t>
             </a:r>
+            <a:endParaRPr lang="en-US"/>
           </a:p>
         </p:txBody>
       </p:sp>
@@ -1229,7 +1225,6 @@
           <a:p>
             <a:fld id="{63A1C593-65D0-4073-BCC9-577B9352EA97}" type="datetimeFigureOut">
               <a:rPr lang="en-US" smtClean="0"/>
-              <a:t>5/5/2022</a:t>
             </a:fld>
             <a:endParaRPr lang="en-US"/>
           </a:p>
@@ -1271,18 +1266,12 @@
           <a:p>
             <a:fld id="{9B618960-8005-486C-9A75-10CB2AAC16F9}" type="slidenum">
               <a:rPr lang="en-US" smtClean="0"/>
-              <a:t>‹#›</a:t>
             </a:fld>
             <a:endParaRPr lang="en-US"/>
           </a:p>
         </p:txBody>
       </p:sp>
     </p:spTree>
-    <p:extLst>
-      <p:ext uri="{BB962C8B-B14F-4D97-AF65-F5344CB8AC3E}">
-        <p14:creationId xmlns:p14="http://schemas.microsoft.com/office/powerpoint/2010/main" val="2375149612"/>
-      </p:ext>
-    </p:extLst>
   </p:cSld>
   <p:clrMapOvr>
     <a:masterClrMapping/>
@@ -1331,6 +1320,7 @@
               <a:rPr lang="en-US"/>
               <a:t>Click to edit Master title style</a:t>
             </a:r>
+            <a:endParaRPr lang="en-US"/>
           </a:p>
         </p:txBody>
       </p:sp>
@@ -1396,6 +1386,7 @@
               <a:rPr lang="en-US"/>
               <a:t>Click to edit Master text styles</a:t>
             </a:r>
+            <a:endParaRPr lang="en-US"/>
           </a:p>
         </p:txBody>
       </p:sp>
@@ -1424,6 +1415,7 @@
               <a:rPr lang="en-US"/>
               <a:t>Click to edit Master text styles</a:t>
             </a:r>
+            <a:endParaRPr lang="en-US"/>
           </a:p>
           <a:p>
             <a:pPr lvl="1"/>
@@ -1431,6 +1423,7 @@
               <a:rPr lang="en-US"/>
               <a:t>Second level</a:t>
             </a:r>
+            <a:endParaRPr lang="en-US"/>
           </a:p>
           <a:p>
             <a:pPr lvl="2"/>
@@ -1438,6 +1431,7 @@
               <a:rPr lang="en-US"/>
               <a:t>Third level</a:t>
             </a:r>
+            <a:endParaRPr lang="en-US"/>
           </a:p>
           <a:p>
             <a:pPr lvl="3"/>
@@ -1445,6 +1439,7 @@
               <a:rPr lang="en-US"/>
               <a:t>Fourth level</a:t>
             </a:r>
+            <a:endParaRPr lang="en-US"/>
           </a:p>
           <a:p>
             <a:pPr lvl="4"/>
@@ -1452,6 +1447,7 @@
               <a:rPr lang="en-US"/>
               <a:t>Fifth level</a:t>
             </a:r>
+            <a:endParaRPr lang="en-US"/>
           </a:p>
         </p:txBody>
       </p:sp>
@@ -1517,6 +1513,7 @@
               <a:rPr lang="en-US"/>
               <a:t>Click to edit Master text styles</a:t>
             </a:r>
+            <a:endParaRPr lang="en-US"/>
           </a:p>
         </p:txBody>
       </p:sp>
@@ -1545,6 +1542,7 @@
               <a:rPr lang="en-US"/>
               <a:t>Click to edit Master text styles</a:t>
             </a:r>
+            <a:endParaRPr lang="en-US"/>
           </a:p>
           <a:p>
             <a:pPr lvl="1"/>
@@ -1552,6 +1550,7 @@
               <a:rPr lang="en-US"/>
               <a:t>Second level</a:t>
             </a:r>
+            <a:endParaRPr lang="en-US"/>
           </a:p>
           <a:p>
             <a:pPr lvl="2"/>
@@ -1559,6 +1558,7 @@
               <a:rPr lang="en-US"/>
               <a:t>Third level</a:t>
             </a:r>
+            <a:endParaRPr lang="en-US"/>
           </a:p>
           <a:p>
             <a:pPr lvl="3"/>
@@ -1566,6 +1566,7 @@
               <a:rPr lang="en-US"/>
               <a:t>Fourth level</a:t>
             </a:r>
+            <a:endParaRPr lang="en-US"/>
           </a:p>
           <a:p>
             <a:pPr lvl="4"/>
@@ -1573,6 +1574,7 @@
               <a:rPr lang="en-US"/>
               <a:t>Fifth level</a:t>
             </a:r>
+            <a:endParaRPr lang="en-US"/>
           </a:p>
         </p:txBody>
       </p:sp>
@@ -1593,7 +1595,6 @@
           <a:p>
             <a:fld id="{63A1C593-65D0-4073-BCC9-577B9352EA97}" type="datetimeFigureOut">
               <a:rPr lang="en-US" smtClean="0"/>
-              <a:t>5/5/2022</a:t>
             </a:fld>
             <a:endParaRPr lang="en-US"/>
           </a:p>
@@ -1635,18 +1636,12 @@
           <a:p>
             <a:fld id="{9B618960-8005-486C-9A75-10CB2AAC16F9}" type="slidenum">
               <a:rPr lang="en-US" smtClean="0"/>
-              <a:t>‹#›</a:t>
             </a:fld>
             <a:endParaRPr lang="en-US"/>
           </a:p>
         </p:txBody>
       </p:sp>
     </p:spTree>
-    <p:extLst>
-      <p:ext uri="{BB962C8B-B14F-4D97-AF65-F5344CB8AC3E}">
-        <p14:creationId xmlns:p14="http://schemas.microsoft.com/office/powerpoint/2010/main" val="412943597"/>
-      </p:ext>
-    </p:extLst>
   </p:cSld>
   <p:clrMapOvr>
     <a:masterClrMapping/>
@@ -1690,6 +1685,7 @@
               <a:rPr lang="en-US"/>
               <a:t>Click to edit Master title style</a:t>
             </a:r>
+            <a:endParaRPr lang="en-US"/>
           </a:p>
         </p:txBody>
       </p:sp>
@@ -1710,7 +1706,6 @@
           <a:p>
             <a:fld id="{63A1C593-65D0-4073-BCC9-577B9352EA97}" type="datetimeFigureOut">
               <a:rPr lang="en-US" smtClean="0"/>
-              <a:t>5/5/2022</a:t>
             </a:fld>
             <a:endParaRPr lang="en-US"/>
           </a:p>
@@ -1752,18 +1747,12 @@
           <a:p>
             <a:fld id="{9B618960-8005-486C-9A75-10CB2AAC16F9}" type="slidenum">
               <a:rPr lang="en-US" smtClean="0"/>
-              <a:t>‹#›</a:t>
             </a:fld>
             <a:endParaRPr lang="en-US"/>
           </a:p>
         </p:txBody>
       </p:sp>
     </p:spTree>
-    <p:extLst>
-      <p:ext uri="{BB962C8B-B14F-4D97-AF65-F5344CB8AC3E}">
-        <p14:creationId xmlns:p14="http://schemas.microsoft.com/office/powerpoint/2010/main" val="3558084423"/>
-      </p:ext>
-    </p:extLst>
   </p:cSld>
   <p:clrMapOvr>
     <a:masterClrMapping/>
@@ -1805,7 +1794,6 @@
           <a:p>
             <a:fld id="{63A1C593-65D0-4073-BCC9-577B9352EA97}" type="datetimeFigureOut">
               <a:rPr lang="en-US" smtClean="0"/>
-              <a:t>5/5/2022</a:t>
             </a:fld>
             <a:endParaRPr lang="en-US"/>
           </a:p>
@@ -1847,18 +1835,12 @@
           <a:p>
             <a:fld id="{9B618960-8005-486C-9A75-10CB2AAC16F9}" type="slidenum">
               <a:rPr lang="en-US" smtClean="0"/>
-              <a:t>‹#›</a:t>
             </a:fld>
             <a:endParaRPr lang="en-US"/>
           </a:p>
         </p:txBody>
       </p:sp>
     </p:spTree>
-    <p:extLst>
-      <p:ext uri="{BB962C8B-B14F-4D97-AF65-F5344CB8AC3E}">
-        <p14:creationId xmlns:p14="http://schemas.microsoft.com/office/powerpoint/2010/main" val="2454063194"/>
-      </p:ext>
-    </p:extLst>
   </p:cSld>
   <p:clrMapOvr>
     <a:masterClrMapping/>
@@ -1911,6 +1893,7 @@
               <a:rPr lang="en-US"/>
               <a:t>Click to edit Master title style</a:t>
             </a:r>
+            <a:endParaRPr lang="en-US"/>
           </a:p>
         </p:txBody>
       </p:sp>
@@ -1967,6 +1950,7 @@
               <a:rPr lang="en-US"/>
               <a:t>Click to edit Master text styles</a:t>
             </a:r>
+            <a:endParaRPr lang="en-US"/>
           </a:p>
           <a:p>
             <a:pPr lvl="1"/>
@@ -1974,6 +1958,7 @@
               <a:rPr lang="en-US"/>
               <a:t>Second level</a:t>
             </a:r>
+            <a:endParaRPr lang="en-US"/>
           </a:p>
           <a:p>
             <a:pPr lvl="2"/>
@@ -1981,6 +1966,7 @@
               <a:rPr lang="en-US"/>
               <a:t>Third level</a:t>
             </a:r>
+            <a:endParaRPr lang="en-US"/>
           </a:p>
           <a:p>
             <a:pPr lvl="3"/>
@@ -1988,6 +1974,7 @@
               <a:rPr lang="en-US"/>
               <a:t>Fourth level</a:t>
             </a:r>
+            <a:endParaRPr lang="en-US"/>
           </a:p>
           <a:p>
             <a:pPr lvl="4"/>
@@ -1995,6 +1982,7 @@
               <a:rPr lang="en-US"/>
               <a:t>Fifth level</a:t>
             </a:r>
+            <a:endParaRPr lang="en-US"/>
           </a:p>
         </p:txBody>
       </p:sp>
@@ -2060,6 +2048,7 @@
               <a:rPr lang="en-US"/>
               <a:t>Click to edit Master text styles</a:t>
             </a:r>
+            <a:endParaRPr lang="en-US"/>
           </a:p>
         </p:txBody>
       </p:sp>
@@ -2080,7 +2069,6 @@
           <a:p>
             <a:fld id="{63A1C593-65D0-4073-BCC9-577B9352EA97}" type="datetimeFigureOut">
               <a:rPr lang="en-US" smtClean="0"/>
-              <a:t>5/5/2022</a:t>
             </a:fld>
             <a:endParaRPr lang="en-US"/>
           </a:p>
@@ -2122,18 +2110,12 @@
           <a:p>
             <a:fld id="{9B618960-8005-486C-9A75-10CB2AAC16F9}" type="slidenum">
               <a:rPr lang="en-US" smtClean="0"/>
-              <a:t>‹#›</a:t>
             </a:fld>
             <a:endParaRPr lang="en-US"/>
           </a:p>
         </p:txBody>
       </p:sp>
     </p:spTree>
-    <p:extLst>
-      <p:ext uri="{BB962C8B-B14F-4D97-AF65-F5344CB8AC3E}">
-        <p14:creationId xmlns:p14="http://schemas.microsoft.com/office/powerpoint/2010/main" val="3300537932"/>
-      </p:ext>
-    </p:extLst>
   </p:cSld>
   <p:clrMapOvr>
     <a:masterClrMapping/>
@@ -2186,6 +2168,7 @@
               <a:rPr lang="en-US"/>
               <a:t>Click to edit Master title style</a:t>
             </a:r>
+            <a:endParaRPr lang="en-US"/>
           </a:p>
         </p:txBody>
       </p:sp>
@@ -2312,6 +2295,7 @@
               <a:rPr lang="en-US"/>
               <a:t>Click to edit Master text styles</a:t>
             </a:r>
+            <a:endParaRPr lang="en-US"/>
           </a:p>
         </p:txBody>
       </p:sp>
@@ -2332,7 +2316,6 @@
           <a:p>
             <a:fld id="{63A1C593-65D0-4073-BCC9-577B9352EA97}" type="datetimeFigureOut">
               <a:rPr lang="en-US" smtClean="0"/>
-              <a:t>5/5/2022</a:t>
             </a:fld>
             <a:endParaRPr lang="en-US"/>
           </a:p>
@@ -2374,18 +2357,12 @@
           <a:p>
             <a:fld id="{9B618960-8005-486C-9A75-10CB2AAC16F9}" type="slidenum">
               <a:rPr lang="en-US" smtClean="0"/>
-              <a:t>‹#›</a:t>
             </a:fld>
             <a:endParaRPr lang="en-US"/>
           </a:p>
         </p:txBody>
       </p:sp>
     </p:spTree>
-    <p:extLst>
-      <p:ext uri="{BB962C8B-B14F-4D97-AF65-F5344CB8AC3E}">
-        <p14:creationId xmlns:p14="http://schemas.microsoft.com/office/powerpoint/2010/main" val="585876398"/>
-      </p:ext>
-    </p:extLst>
   </p:cSld>
   <p:clrMapOvr>
     <a:masterClrMapping/>
@@ -2444,6 +2421,7 @@
               <a:rPr lang="en-US"/>
               <a:t>Click to edit Master title style</a:t>
             </a:r>
+            <a:endParaRPr lang="en-US"/>
           </a:p>
         </p:txBody>
       </p:sp>
@@ -2477,6 +2455,7 @@
               <a:rPr lang="en-US"/>
               <a:t>Click to edit Master text styles</a:t>
             </a:r>
+            <a:endParaRPr lang="en-US"/>
           </a:p>
           <a:p>
             <a:pPr lvl="1"/>
@@ -2484,6 +2463,7 @@
               <a:rPr lang="en-US"/>
               <a:t>Second level</a:t>
             </a:r>
+            <a:endParaRPr lang="en-US"/>
           </a:p>
           <a:p>
             <a:pPr lvl="2"/>
@@ -2491,6 +2471,7 @@
               <a:rPr lang="en-US"/>
               <a:t>Third level</a:t>
             </a:r>
+            <a:endParaRPr lang="en-US"/>
           </a:p>
           <a:p>
             <a:pPr lvl="3"/>
@@ -2498,6 +2479,7 @@
               <a:rPr lang="en-US"/>
               <a:t>Fourth level</a:t>
             </a:r>
+            <a:endParaRPr lang="en-US"/>
           </a:p>
           <a:p>
             <a:pPr lvl="4"/>
@@ -2505,6 +2487,7 @@
               <a:rPr lang="en-US"/>
               <a:t>Fifth level</a:t>
             </a:r>
+            <a:endParaRPr lang="en-US"/>
           </a:p>
         </p:txBody>
       </p:sp>
@@ -2543,7 +2526,6 @@
           <a:p>
             <a:fld id="{63A1C593-65D0-4073-BCC9-577B9352EA97}" type="datetimeFigureOut">
               <a:rPr lang="en-US" smtClean="0"/>
-              <a:t>5/5/2022</a:t>
             </a:fld>
             <a:endParaRPr lang="en-US"/>
           </a:p>
@@ -2621,18 +2603,12 @@
           <a:p>
             <a:fld id="{9B618960-8005-486C-9A75-10CB2AAC16F9}" type="slidenum">
               <a:rPr lang="en-US" smtClean="0"/>
-              <a:t>‹#›</a:t>
             </a:fld>
             <a:endParaRPr lang="en-US"/>
           </a:p>
         </p:txBody>
       </p:sp>
     </p:spTree>
-    <p:extLst>
-      <p:ext uri="{BB962C8B-B14F-4D97-AF65-F5344CB8AC3E}">
-        <p14:creationId xmlns:p14="http://schemas.microsoft.com/office/powerpoint/2010/main" val="3597300896"/>
-      </p:ext>
-    </p:extLst>
   </p:cSld>
   <p:clrMap bg1="lt1" tx1="dk1" bg2="lt2" tx2="dk2" accent1="accent1" accent2="accent2" accent3="accent3" accent4="accent4" accent5="accent5" accent6="accent6" hlink="hlink" folHlink="folHlink"/>
   <p:sldLayoutIdLst>
@@ -2950,76 +2926,28 @@
       </p:grpSpPr>
       <p:grpSp>
         <p:nvGrpSpPr>
-          <p:cNvPr id="2" name="组合 1">
-            <a:extLst>
-              <a:ext uri="{FF2B5EF4-FFF2-40B4-BE49-F238E27FC236}">
-                <a16:creationId xmlns:a16="http://schemas.microsoft.com/office/drawing/2014/main" id="{ED1986A8-FE92-4B9F-B2E7-3EB750DF5284}"/>
-              </a:ext>
-            </a:extLst>
-          </p:cNvPr>
+          <p:cNvPr id="12" name="组合 11"/>
           <p:cNvGrpSpPr/>
           <p:nvPr/>
         </p:nvGrpSpPr>
         <p:grpSpPr>
           <a:xfrm>
-            <a:off x="1021301" y="2336776"/>
-            <a:ext cx="10608773" cy="1250396"/>
-            <a:chOff x="1021301" y="2336776"/>
-            <a:chExt cx="10608773" cy="1250396"/>
+            <a:off x="1021080" y="2336800"/>
+            <a:ext cx="10608945" cy="1249680"/>
+            <a:chOff x="1608" y="3680"/>
+            <a:chExt cx="16707" cy="1968"/>
           </a:xfrm>
         </p:grpSpPr>
         <p:pic>
           <p:nvPicPr>
-            <p:cNvPr id="5" name="图片 4">
-              <a:extLst>
-                <a:ext uri="{FF2B5EF4-FFF2-40B4-BE49-F238E27FC236}">
-                  <a16:creationId xmlns:a16="http://schemas.microsoft.com/office/drawing/2014/main" id="{1635C8FF-DBBA-458F-B380-48709CD0392E}"/>
-                </a:ext>
-              </a:extLst>
-            </p:cNvPr>
-            <p:cNvPicPr>
-              <a:picLocks noChangeAspect="1"/>
-            </p:cNvPicPr>
-            <p:nvPr/>
-          </p:nvPicPr>
-          <p:blipFill>
-            <a:blip r:embed="rId2">
-              <a:extLst>
-                <a:ext uri="{28A0092B-C50C-407E-A947-70E740481C1C}">
-                  <a14:useLocalDpi xmlns:a14="http://schemas.microsoft.com/office/drawing/2010/main" val="0"/>
-                </a:ext>
-              </a:extLst>
-            </a:blip>
-            <a:stretch>
-              <a:fillRect/>
-            </a:stretch>
-          </p:blipFill>
-          <p:spPr>
-            <a:xfrm>
-              <a:off x="1021301" y="2355750"/>
-              <a:ext cx="1176618" cy="889200"/>
-            </a:xfrm>
-            <a:prstGeom prst="rect">
-              <a:avLst/>
-            </a:prstGeom>
-          </p:spPr>
-        </p:pic>
-        <p:pic>
-          <p:nvPicPr>
-            <p:cNvPr id="1030" name="Picture 6" descr="西安電子科技大學- 維基百科，自由的百科全書">
-              <a:extLst>
-                <a:ext uri="{FF2B5EF4-FFF2-40B4-BE49-F238E27FC236}">
-                  <a16:creationId xmlns:a16="http://schemas.microsoft.com/office/drawing/2014/main" id="{0DA9E8CC-E602-411C-9F86-5015DF0F4921}"/>
-                </a:ext>
-              </a:extLst>
-            </p:cNvPr>
+            <p:cNvPr id="1030" name="Picture 6" descr="西安電子科技大學- 維基百科，自由的百科全書"/>
             <p:cNvPicPr>
               <a:picLocks noChangeAspect="1" noChangeArrowheads="1"/>
             </p:cNvPicPr>
             <p:nvPr/>
           </p:nvPicPr>
           <p:blipFill rotWithShape="1">
-            <a:blip r:embed="rId3">
+            <a:blip r:embed="rId1">
               <a:extLst>
                 <a:ext uri="{28A0092B-C50C-407E-A947-70E740481C1C}">
                   <a14:useLocalDpi xmlns:a14="http://schemas.microsoft.com/office/drawing/2010/main" val="0"/>
@@ -3027,12 +2955,14 @@
               </a:extLst>
             </a:blip>
             <a:srcRect l="20417" t="1565" r="20136" b="39543"/>
-            <a:stretch/>
+            <a:stretch>
+              <a:fillRect/>
+            </a:stretch>
           </p:blipFill>
           <p:spPr bwMode="auto">
             <a:xfrm>
-              <a:off x="3560005" y="2355750"/>
-              <a:ext cx="880890" cy="889200"/>
+              <a:off x="5606" y="3710"/>
+              <a:ext cx="1387" cy="1400"/>
             </a:xfrm>
             <a:prstGeom prst="rect">
               <a:avLst/>
@@ -3051,13 +2981,55 @@
         </p:pic>
         <p:pic>
           <p:nvPicPr>
-            <p:cNvPr id="6" name="图片 5">
-              <a:extLst>
-                <a:ext uri="{FF2B5EF4-FFF2-40B4-BE49-F238E27FC236}">
-                  <a16:creationId xmlns:a16="http://schemas.microsoft.com/office/drawing/2014/main" id="{BC870358-E90F-4F3A-86C3-13A0F6C6A16B}"/>
-                </a:ext>
-              </a:extLst>
-            </p:cNvPr>
+            <p:cNvPr id="6" name="图片 5"/>
+            <p:cNvPicPr>
+              <a:picLocks noChangeAspect="1"/>
+            </p:cNvPicPr>
+            <p:nvPr/>
+          </p:nvPicPr>
+          <p:blipFill>
+            <a:blip r:embed="rId2"/>
+            <a:stretch>
+              <a:fillRect/>
+            </a:stretch>
+          </p:blipFill>
+          <p:spPr>
+            <a:xfrm>
+              <a:off x="7331" y="3680"/>
+              <a:ext cx="1930" cy="1460"/>
+            </a:xfrm>
+            <a:prstGeom prst="rect">
+              <a:avLst/>
+            </a:prstGeom>
+          </p:spPr>
+        </p:pic>
+        <p:pic>
+          <p:nvPicPr>
+            <p:cNvPr id="7" name="图片 6"/>
+            <p:cNvPicPr>
+              <a:picLocks noChangeAspect="1"/>
+            </p:cNvPicPr>
+            <p:nvPr/>
+          </p:nvPicPr>
+          <p:blipFill>
+            <a:blip r:embed="rId3"/>
+            <a:stretch>
+              <a:fillRect/>
+            </a:stretch>
+          </p:blipFill>
+          <p:spPr>
+            <a:xfrm>
+              <a:off x="11632" y="3740"/>
+              <a:ext cx="1480" cy="1420"/>
+            </a:xfrm>
+            <a:prstGeom prst="rect">
+              <a:avLst/>
+            </a:prstGeom>
+          </p:spPr>
+        </p:pic>
+        <p:pic>
+          <p:nvPicPr>
+            <p:cNvPr id="8" name="图片 7"/>
             <p:cNvPicPr>
               <a:picLocks noChangeAspect="1"/>
             </p:cNvPicPr>
@@ -3071,8 +3043,8 @@
           </p:blipFill>
           <p:spPr>
             <a:xfrm>
-              <a:off x="4655189" y="2336776"/>
-              <a:ext cx="1225613" cy="927148"/>
+              <a:off x="3799" y="3772"/>
+              <a:ext cx="1470" cy="1400"/>
             </a:xfrm>
             <a:prstGeom prst="rect">
               <a:avLst/>
@@ -3081,13 +3053,7 @@
         </p:pic>
         <p:pic>
           <p:nvPicPr>
-            <p:cNvPr id="7" name="图片 6">
-              <a:extLst>
-                <a:ext uri="{FF2B5EF4-FFF2-40B4-BE49-F238E27FC236}">
-                  <a16:creationId xmlns:a16="http://schemas.microsoft.com/office/drawing/2014/main" id="{D15D28B4-4BC8-4857-A078-9F1D82C5DFD3}"/>
-                </a:ext>
-              </a:extLst>
-            </p:cNvPr>
+            <p:cNvPr id="9" name="图片 8"/>
             <p:cNvPicPr>
               <a:picLocks noChangeAspect="1"/>
             </p:cNvPicPr>
@@ -3101,8 +3067,8 @@
           </p:blipFill>
           <p:spPr>
             <a:xfrm>
-              <a:off x="7386606" y="2374973"/>
-              <a:ext cx="939848" cy="901746"/>
+              <a:off x="13454" y="3735"/>
+              <a:ext cx="1530" cy="1460"/>
             </a:xfrm>
             <a:prstGeom prst="rect">
               <a:avLst/>
@@ -3111,13 +3077,7 @@
         </p:pic>
         <p:pic>
           <p:nvPicPr>
-            <p:cNvPr id="8" name="图片 7">
-              <a:extLst>
-                <a:ext uri="{FF2B5EF4-FFF2-40B4-BE49-F238E27FC236}">
-                  <a16:creationId xmlns:a16="http://schemas.microsoft.com/office/drawing/2014/main" id="{E6A9FB31-EC21-47B0-9F5C-EBA5C16FC2A4}"/>
-                </a:ext>
-              </a:extLst>
-            </p:cNvPr>
+            <p:cNvPr id="10" name="图片 9"/>
             <p:cNvPicPr>
               <a:picLocks noChangeAspect="1"/>
             </p:cNvPicPr>
@@ -3131,68 +3091,8 @@
           </p:blipFill>
           <p:spPr>
             <a:xfrm>
-              <a:off x="2412213" y="2355904"/>
-              <a:ext cx="933498" cy="889046"/>
-            </a:xfrm>
-            <a:prstGeom prst="rect">
-              <a:avLst/>
-            </a:prstGeom>
-          </p:spPr>
-        </p:pic>
-        <p:pic>
-          <p:nvPicPr>
-            <p:cNvPr id="9" name="图片 8">
-              <a:extLst>
-                <a:ext uri="{FF2B5EF4-FFF2-40B4-BE49-F238E27FC236}">
-                  <a16:creationId xmlns:a16="http://schemas.microsoft.com/office/drawing/2014/main" id="{9AC81BE7-FA08-4978-958A-0C9F4A590064}"/>
-                </a:ext>
-              </a:extLst>
-            </p:cNvPr>
-            <p:cNvPicPr>
-              <a:picLocks noChangeAspect="1"/>
-            </p:cNvPicPr>
-            <p:nvPr/>
-          </p:nvPicPr>
-          <p:blipFill>
-            <a:blip r:embed="rId7"/>
-            <a:stretch>
-              <a:fillRect/>
-            </a:stretch>
-          </p:blipFill>
-          <p:spPr>
-            <a:xfrm>
-              <a:off x="8543090" y="2371481"/>
-              <a:ext cx="971600" cy="927148"/>
-            </a:xfrm>
-            <a:prstGeom prst="rect">
-              <a:avLst/>
-            </a:prstGeom>
-          </p:spPr>
-        </p:pic>
-        <p:pic>
-          <p:nvPicPr>
-            <p:cNvPr id="10" name="图片 9">
-              <a:extLst>
-                <a:ext uri="{FF2B5EF4-FFF2-40B4-BE49-F238E27FC236}">
-                  <a16:creationId xmlns:a16="http://schemas.microsoft.com/office/drawing/2014/main" id="{1CE4215C-7500-4E45-88F0-C5CB5B356C8B}"/>
-                </a:ext>
-              </a:extLst>
-            </p:cNvPr>
-            <p:cNvPicPr>
-              <a:picLocks noChangeAspect="1"/>
-            </p:cNvPicPr>
-            <p:nvPr/>
-          </p:nvPicPr>
-          <p:blipFill>
-            <a:blip r:embed="rId8"/>
-            <a:stretch>
-              <a:fillRect/>
-            </a:stretch>
-          </p:blipFill>
-          <p:spPr>
-            <a:xfrm>
-              <a:off x="9731326" y="2435300"/>
-              <a:ext cx="1898748" cy="755689"/>
+              <a:off x="15325" y="3835"/>
+              <a:ext cx="2990" cy="1190"/>
             </a:xfrm>
             <a:prstGeom prst="rect">
               <a:avLst/>
@@ -3201,20 +3101,14 @@
         </p:pic>
         <p:sp>
           <p:nvSpPr>
-            <p:cNvPr id="11" name="文本框 10">
-              <a:extLst>
-                <a:ext uri="{FF2B5EF4-FFF2-40B4-BE49-F238E27FC236}">
-                  <a16:creationId xmlns:a16="http://schemas.microsoft.com/office/drawing/2014/main" id="{01231E09-61D2-43F9-86A2-4942A1435D47}"/>
-                </a:ext>
-              </a:extLst>
-            </p:cNvPr>
+            <p:cNvPr id="11" name="文本框 10"/>
             <p:cNvSpPr txBox="1"/>
             <p:nvPr/>
           </p:nvSpPr>
           <p:spPr>
             <a:xfrm>
-              <a:off x="1021301" y="3248618"/>
-              <a:ext cx="10267491" cy="338554"/>
+              <a:off x="1608" y="5116"/>
+              <a:ext cx="16169" cy="533"/>
             </a:xfrm>
             <a:prstGeom prst="rect">
               <a:avLst/>
@@ -3238,25 +3132,27 @@
                 </a:rPr>
                 <a:t>HUMA 2022 is organized in collaboration with NWPT, XDU, JD AI Research, UESTC, Tsinghua University, and IBM Research.</a:t>
               </a:r>
+              <a:endParaRPr lang="en-US" sz="1600" dirty="0">
+                <a:solidFill>
+                  <a:schemeClr val="tx1">
+                    <a:lumMod val="50000"/>
+                    <a:lumOff val="50000"/>
+                  </a:schemeClr>
+                </a:solidFill>
+              </a:endParaRPr>
             </a:p>
           </p:txBody>
         </p:sp>
         <p:pic>
           <p:nvPicPr>
-            <p:cNvPr id="1026" name="Picture 2" descr="See the source image">
-              <a:extLst>
-                <a:ext uri="{FF2B5EF4-FFF2-40B4-BE49-F238E27FC236}">
-                  <a16:creationId xmlns:a16="http://schemas.microsoft.com/office/drawing/2014/main" id="{3A3FD8A4-DFD1-4CEE-B106-F24DAA242E0A}"/>
-                </a:ext>
-              </a:extLst>
-            </p:cNvPr>
+            <p:cNvPr id="1026" name="Picture 2" descr="See the source image"/>
             <p:cNvPicPr>
               <a:picLocks noChangeAspect="1" noChangeArrowheads="1"/>
             </p:cNvPicPr>
             <p:nvPr/>
           </p:nvPicPr>
           <p:blipFill rotWithShape="1">
-            <a:blip r:embed="rId9">
+            <a:blip r:embed="rId7">
               <a:extLst>
                 <a:ext uri="{28A0092B-C50C-407E-A947-70E740481C1C}">
                   <a14:useLocalDpi xmlns:a14="http://schemas.microsoft.com/office/drawing/2010/main" val="0"/>
@@ -3264,12 +3160,14 @@
               </a:extLst>
             </a:blip>
             <a:srcRect l="24235" t="5778" r="16430" b="50000"/>
-            <a:stretch/>
+            <a:stretch>
+              <a:fillRect/>
+            </a:stretch>
           </p:blipFill>
           <p:spPr bwMode="auto">
             <a:xfrm>
-              <a:off x="6095096" y="2371481"/>
-              <a:ext cx="1130300" cy="842433"/>
+              <a:off x="9599" y="3735"/>
+              <a:ext cx="1780" cy="1327"/>
             </a:xfrm>
             <a:prstGeom prst="rect">
               <a:avLst/>
@@ -3286,18 +3184,44 @@
             </a:extLst>
           </p:spPr>
         </p:pic>
+        <p:pic>
+          <p:nvPicPr>
+            <p:cNvPr id="4" name="图片 3" descr="logo-mini"/>
+            <p:cNvPicPr>
+              <a:picLocks noChangeAspect="1"/>
+            </p:cNvPicPr>
+            <p:nvPr/>
+          </p:nvPicPr>
+          <p:blipFill>
+            <a:blip r:embed="rId8"/>
+            <a:stretch>
+              <a:fillRect/>
+            </a:stretch>
+          </p:blipFill>
+          <p:spPr>
+            <a:xfrm>
+              <a:off x="1749" y="3773"/>
+              <a:ext cx="1853" cy="1399"/>
+            </a:xfrm>
+            <a:prstGeom prst="rect">
+              <a:avLst/>
+            </a:prstGeom>
+          </p:spPr>
+        </p:pic>
       </p:grpSp>
     </p:spTree>
-    <p:extLst>
-      <p:ext uri="{BB962C8B-B14F-4D97-AF65-F5344CB8AC3E}">
-        <p14:creationId xmlns:p14="http://schemas.microsoft.com/office/powerpoint/2010/main" val="3072013332"/>
-      </p:ext>
-    </p:extLst>
   </p:cSld>
   <p:clrMapOvr>
     <a:masterClrMapping/>
   </p:clrMapOvr>
 </p:sld>
+</file>
+
+<file path=ppt/tags/tag1.xml><?xml version="1.0" encoding="utf-8"?>
+<p:tagLst xmlns:p="http://schemas.openxmlformats.org/presentationml/2006/main">
+  <p:tag name="KSO_WPP_MARK_KEY" val="cc5c3178-a309-4fd6-b971-e32ed4566437"/>
+  <p:tag name="COMMONDATA" val="eyJoZGlkIjoiMjlkNjUxNDJjOWEzYzYyZDAzYzUwMTNiZjIyNzFmZTIifQ=="/>
+</p:tagLst>
 </file>
 
 <file path=ppt/theme/theme1.xml><?xml version="1.0" encoding="utf-8"?>
@@ -3343,7 +3267,7 @@
     </a:clrScheme>
     <a:fontScheme name="Office">
       <a:majorFont>
-        <a:latin typeface="Calibri Light" panose="020F0302020204030204"/>
+        <a:latin typeface="Calibri Light"/>
         <a:ea typeface=""/>
         <a:cs typeface=""/>
         <a:font script="Jpan" typeface="ＭＳ Ｐゴシック"/>
@@ -3378,7 +3302,7 @@
         <a:font script="Geor" typeface="Sylfaen"/>
       </a:majorFont>
       <a:minorFont>
-        <a:latin typeface="Calibri" panose="020F0502020204030204"/>
+        <a:latin typeface="Calibri"/>
         <a:ea typeface=""/>
         <a:cs typeface=""/>
         <a:font script="Jpan" typeface="ＭＳ Ｐゴシック"/>
@@ -3551,8 +3475,6 @@
       </a:bgFillStyleLst>
     </a:fmtScheme>
   </a:themeElements>
-  <a:objectDefaults/>
-  <a:extraClrSchemeLst/>
   <a:extLst>
     <a:ext uri="{05A4C25C-085E-4340-85A3-A5531E510DB2}">
       <thm15:themeFamily xmlns:thm15="http://schemas.microsoft.com/office/thememl/2012/main" name="Office Theme" id="{62F939B6-93AF-4DB8-9C6B-D6C7DFDC589F}" vid="{4A3C46E8-61CC-4603-A589-7422A47A8E4A}"/>

--- a/css/2022_style/img/footer.pptx
+++ b/css/2022_style/img/footer.pptx
@@ -5,12 +5,12 @@
     <p:sldMasterId id="2147483648" r:id="rId1"/>
   </p:sldMasterIdLst>
   <p:sldIdLst>
-    <p:sldId id="256" r:id="rId3"/>
+    <p:sldId id="256" r:id="rId2"/>
   </p:sldIdLst>
   <p:sldSz cx="12192000" cy="6858000"/>
   <p:notesSz cx="6858000" cy="9144000"/>
   <p:custDataLst>
-    <p:tags r:id="rId7"/>
+    <p:tags r:id="rId3"/>
   </p:custDataLst>
   <p:defaultTextStyle>
     <a:defPPr>
@@ -107,6 +107,11 @@
       </a:defRPr>
     </a:lvl9pPr>
   </p:defaultTextStyle>
+  <p:extLst>
+    <p:ext uri="{EFAFB233-063F-42B5-8137-9DF3F51BA10A}">
+      <p15:sldGuideLst xmlns:p15="http://schemas.microsoft.com/office/powerpoint/2012/main"/>
+    </p:ext>
+  </p:extLst>
 </p:presentation>
 </file>
 
@@ -155,7 +160,6 @@
               <a:rPr lang="en-US"/>
               <a:t>Click to edit Master title style</a:t>
             </a:r>
-            <a:endParaRPr lang="en-US"/>
           </a:p>
         </p:txBody>
       </p:sp>
@@ -220,7 +224,6 @@
               <a:rPr lang="en-US"/>
               <a:t>Click to edit Master subtitle style</a:t>
             </a:r>
-            <a:endParaRPr lang="en-US"/>
           </a:p>
         </p:txBody>
       </p:sp>
@@ -241,6 +244,7 @@
           <a:p>
             <a:fld id="{63A1C593-65D0-4073-BCC9-577B9352EA97}" type="datetimeFigureOut">
               <a:rPr lang="en-US" smtClean="0"/>
+              <a:t>7/9/2024</a:t>
             </a:fld>
             <a:endParaRPr lang="en-US"/>
           </a:p>
@@ -282,6 +286,7 @@
           <a:p>
             <a:fld id="{9B618960-8005-486C-9A75-10CB2AAC16F9}" type="slidenum">
               <a:rPr lang="en-US" smtClean="0"/>
+              <a:t>‹#›</a:t>
             </a:fld>
             <a:endParaRPr lang="en-US"/>
           </a:p>
@@ -331,7 +336,6 @@
               <a:rPr lang="en-US"/>
               <a:t>Click to edit Master title style</a:t>
             </a:r>
-            <a:endParaRPr lang="en-US"/>
           </a:p>
         </p:txBody>
       </p:sp>
@@ -355,7 +359,6 @@
               <a:rPr lang="en-US"/>
               <a:t>Click to edit Master text styles</a:t>
             </a:r>
-            <a:endParaRPr lang="en-US"/>
           </a:p>
           <a:p>
             <a:pPr lvl="1"/>
@@ -363,7 +366,6 @@
               <a:rPr lang="en-US"/>
               <a:t>Second level</a:t>
             </a:r>
-            <a:endParaRPr lang="en-US"/>
           </a:p>
           <a:p>
             <a:pPr lvl="2"/>
@@ -371,7 +373,6 @@
               <a:rPr lang="en-US"/>
               <a:t>Third level</a:t>
             </a:r>
-            <a:endParaRPr lang="en-US"/>
           </a:p>
           <a:p>
             <a:pPr lvl="3"/>
@@ -379,7 +380,6 @@
               <a:rPr lang="en-US"/>
               <a:t>Fourth level</a:t>
             </a:r>
-            <a:endParaRPr lang="en-US"/>
           </a:p>
           <a:p>
             <a:pPr lvl="4"/>
@@ -387,7 +387,6 @@
               <a:rPr lang="en-US"/>
               <a:t>Fifth level</a:t>
             </a:r>
-            <a:endParaRPr lang="en-US"/>
           </a:p>
         </p:txBody>
       </p:sp>
@@ -408,6 +407,7 @@
           <a:p>
             <a:fld id="{63A1C593-65D0-4073-BCC9-577B9352EA97}" type="datetimeFigureOut">
               <a:rPr lang="en-US" smtClean="0"/>
+              <a:t>7/9/2024</a:t>
             </a:fld>
             <a:endParaRPr lang="en-US"/>
           </a:p>
@@ -449,6 +449,7 @@
           <a:p>
             <a:fld id="{9B618960-8005-486C-9A75-10CB2AAC16F9}" type="slidenum">
               <a:rPr lang="en-US" smtClean="0"/>
+              <a:t>‹#›</a:t>
             </a:fld>
             <a:endParaRPr lang="en-US"/>
           </a:p>
@@ -503,7 +504,6 @@
               <a:rPr lang="en-US"/>
               <a:t>Click to edit Master title style</a:t>
             </a:r>
-            <a:endParaRPr lang="en-US"/>
           </a:p>
         </p:txBody>
       </p:sp>
@@ -532,7 +532,6 @@
               <a:rPr lang="en-US"/>
               <a:t>Click to edit Master text styles</a:t>
             </a:r>
-            <a:endParaRPr lang="en-US"/>
           </a:p>
           <a:p>
             <a:pPr lvl="1"/>
@@ -540,7 +539,6 @@
               <a:rPr lang="en-US"/>
               <a:t>Second level</a:t>
             </a:r>
-            <a:endParaRPr lang="en-US"/>
           </a:p>
           <a:p>
             <a:pPr lvl="2"/>
@@ -548,7 +546,6 @@
               <a:rPr lang="en-US"/>
               <a:t>Third level</a:t>
             </a:r>
-            <a:endParaRPr lang="en-US"/>
           </a:p>
           <a:p>
             <a:pPr lvl="3"/>
@@ -556,7 +553,6 @@
               <a:rPr lang="en-US"/>
               <a:t>Fourth level</a:t>
             </a:r>
-            <a:endParaRPr lang="en-US"/>
           </a:p>
           <a:p>
             <a:pPr lvl="4"/>
@@ -564,7 +560,6 @@
               <a:rPr lang="en-US"/>
               <a:t>Fifth level</a:t>
             </a:r>
-            <a:endParaRPr lang="en-US"/>
           </a:p>
         </p:txBody>
       </p:sp>
@@ -585,6 +580,7 @@
           <a:p>
             <a:fld id="{63A1C593-65D0-4073-BCC9-577B9352EA97}" type="datetimeFigureOut">
               <a:rPr lang="en-US" smtClean="0"/>
+              <a:t>7/9/2024</a:t>
             </a:fld>
             <a:endParaRPr lang="en-US"/>
           </a:p>
@@ -626,6 +622,7 @@
           <a:p>
             <a:fld id="{9B618960-8005-486C-9A75-10CB2AAC16F9}" type="slidenum">
               <a:rPr lang="en-US" smtClean="0"/>
+              <a:t>‹#›</a:t>
             </a:fld>
             <a:endParaRPr lang="en-US"/>
           </a:p>
@@ -675,7 +672,6 @@
               <a:rPr lang="en-US"/>
               <a:t>Click to edit Master title style</a:t>
             </a:r>
-            <a:endParaRPr lang="en-US"/>
           </a:p>
         </p:txBody>
       </p:sp>
@@ -699,7 +695,6 @@
               <a:rPr lang="en-US"/>
               <a:t>Click to edit Master text styles</a:t>
             </a:r>
-            <a:endParaRPr lang="en-US"/>
           </a:p>
           <a:p>
             <a:pPr lvl="1"/>
@@ -707,7 +702,6 @@
               <a:rPr lang="en-US"/>
               <a:t>Second level</a:t>
             </a:r>
-            <a:endParaRPr lang="en-US"/>
           </a:p>
           <a:p>
             <a:pPr lvl="2"/>
@@ -715,7 +709,6 @@
               <a:rPr lang="en-US"/>
               <a:t>Third level</a:t>
             </a:r>
-            <a:endParaRPr lang="en-US"/>
           </a:p>
           <a:p>
             <a:pPr lvl="3"/>
@@ -723,7 +716,6 @@
               <a:rPr lang="en-US"/>
               <a:t>Fourth level</a:t>
             </a:r>
-            <a:endParaRPr lang="en-US"/>
           </a:p>
           <a:p>
             <a:pPr lvl="4"/>
@@ -731,7 +723,6 @@
               <a:rPr lang="en-US"/>
               <a:t>Fifth level</a:t>
             </a:r>
-            <a:endParaRPr lang="en-US"/>
           </a:p>
         </p:txBody>
       </p:sp>
@@ -752,6 +743,7 @@
           <a:p>
             <a:fld id="{63A1C593-65D0-4073-BCC9-577B9352EA97}" type="datetimeFigureOut">
               <a:rPr lang="en-US" smtClean="0"/>
+              <a:t>7/9/2024</a:t>
             </a:fld>
             <a:endParaRPr lang="en-US"/>
           </a:p>
@@ -793,6 +785,7 @@
           <a:p>
             <a:fld id="{9B618960-8005-486C-9A75-10CB2AAC16F9}" type="slidenum">
               <a:rPr lang="en-US" smtClean="0"/>
+              <a:t>‹#›</a:t>
             </a:fld>
             <a:endParaRPr lang="en-US"/>
           </a:p>
@@ -851,7 +844,6 @@
               <a:rPr lang="en-US"/>
               <a:t>Click to edit Master title style</a:t>
             </a:r>
-            <a:endParaRPr lang="en-US"/>
           </a:p>
         </p:txBody>
       </p:sp>
@@ -971,7 +963,6 @@
               <a:rPr lang="en-US"/>
               <a:t>Click to edit Master text styles</a:t>
             </a:r>
-            <a:endParaRPr lang="en-US"/>
           </a:p>
         </p:txBody>
       </p:sp>
@@ -992,6 +983,7 @@
           <a:p>
             <a:fld id="{63A1C593-65D0-4073-BCC9-577B9352EA97}" type="datetimeFigureOut">
               <a:rPr lang="en-US" smtClean="0"/>
+              <a:t>7/9/2024</a:t>
             </a:fld>
             <a:endParaRPr lang="en-US"/>
           </a:p>
@@ -1033,6 +1025,7 @@
           <a:p>
             <a:fld id="{9B618960-8005-486C-9A75-10CB2AAC16F9}" type="slidenum">
               <a:rPr lang="en-US" smtClean="0"/>
+              <a:t>‹#›</a:t>
             </a:fld>
             <a:endParaRPr lang="en-US"/>
           </a:p>
@@ -1082,7 +1075,6 @@
               <a:rPr lang="en-US"/>
               <a:t>Click to edit Master title style</a:t>
             </a:r>
-            <a:endParaRPr lang="en-US"/>
           </a:p>
         </p:txBody>
       </p:sp>
@@ -1111,7 +1103,6 @@
               <a:rPr lang="en-US"/>
               <a:t>Click to edit Master text styles</a:t>
             </a:r>
-            <a:endParaRPr lang="en-US"/>
           </a:p>
           <a:p>
             <a:pPr lvl="1"/>
@@ -1119,7 +1110,6 @@
               <a:rPr lang="en-US"/>
               <a:t>Second level</a:t>
             </a:r>
-            <a:endParaRPr lang="en-US"/>
           </a:p>
           <a:p>
             <a:pPr lvl="2"/>
@@ -1127,7 +1117,6 @@
               <a:rPr lang="en-US"/>
               <a:t>Third level</a:t>
             </a:r>
-            <a:endParaRPr lang="en-US"/>
           </a:p>
           <a:p>
             <a:pPr lvl="3"/>
@@ -1135,7 +1124,6 @@
               <a:rPr lang="en-US"/>
               <a:t>Fourth level</a:t>
             </a:r>
-            <a:endParaRPr lang="en-US"/>
           </a:p>
           <a:p>
             <a:pPr lvl="4"/>
@@ -1143,7 +1131,6 @@
               <a:rPr lang="en-US"/>
               <a:t>Fifth level</a:t>
             </a:r>
-            <a:endParaRPr lang="en-US"/>
           </a:p>
         </p:txBody>
       </p:sp>
@@ -1172,7 +1159,6 @@
               <a:rPr lang="en-US"/>
               <a:t>Click to edit Master text styles</a:t>
             </a:r>
-            <a:endParaRPr lang="en-US"/>
           </a:p>
           <a:p>
             <a:pPr lvl="1"/>
@@ -1180,7 +1166,6 @@
               <a:rPr lang="en-US"/>
               <a:t>Second level</a:t>
             </a:r>
-            <a:endParaRPr lang="en-US"/>
           </a:p>
           <a:p>
             <a:pPr lvl="2"/>
@@ -1188,7 +1173,6 @@
               <a:rPr lang="en-US"/>
               <a:t>Third level</a:t>
             </a:r>
-            <a:endParaRPr lang="en-US"/>
           </a:p>
           <a:p>
             <a:pPr lvl="3"/>
@@ -1196,7 +1180,6 @@
               <a:rPr lang="en-US"/>
               <a:t>Fourth level</a:t>
             </a:r>
-            <a:endParaRPr lang="en-US"/>
           </a:p>
           <a:p>
             <a:pPr lvl="4"/>
@@ -1204,7 +1187,6 @@
               <a:rPr lang="en-US"/>
               <a:t>Fifth level</a:t>
             </a:r>
-            <a:endParaRPr lang="en-US"/>
           </a:p>
         </p:txBody>
       </p:sp>
@@ -1225,6 +1207,7 @@
           <a:p>
             <a:fld id="{63A1C593-65D0-4073-BCC9-577B9352EA97}" type="datetimeFigureOut">
               <a:rPr lang="en-US" smtClean="0"/>
+              <a:t>7/9/2024</a:t>
             </a:fld>
             <a:endParaRPr lang="en-US"/>
           </a:p>
@@ -1266,6 +1249,7 @@
           <a:p>
             <a:fld id="{9B618960-8005-486C-9A75-10CB2AAC16F9}" type="slidenum">
               <a:rPr lang="en-US" smtClean="0"/>
+              <a:t>‹#›</a:t>
             </a:fld>
             <a:endParaRPr lang="en-US"/>
           </a:p>
@@ -1320,7 +1304,6 @@
               <a:rPr lang="en-US"/>
               <a:t>Click to edit Master title style</a:t>
             </a:r>
-            <a:endParaRPr lang="en-US"/>
           </a:p>
         </p:txBody>
       </p:sp>
@@ -1386,7 +1369,6 @@
               <a:rPr lang="en-US"/>
               <a:t>Click to edit Master text styles</a:t>
             </a:r>
-            <a:endParaRPr lang="en-US"/>
           </a:p>
         </p:txBody>
       </p:sp>
@@ -1415,7 +1397,6 @@
               <a:rPr lang="en-US"/>
               <a:t>Click to edit Master text styles</a:t>
             </a:r>
-            <a:endParaRPr lang="en-US"/>
           </a:p>
           <a:p>
             <a:pPr lvl="1"/>
@@ -1423,7 +1404,6 @@
               <a:rPr lang="en-US"/>
               <a:t>Second level</a:t>
             </a:r>
-            <a:endParaRPr lang="en-US"/>
           </a:p>
           <a:p>
             <a:pPr lvl="2"/>
@@ -1431,7 +1411,6 @@
               <a:rPr lang="en-US"/>
               <a:t>Third level</a:t>
             </a:r>
-            <a:endParaRPr lang="en-US"/>
           </a:p>
           <a:p>
             <a:pPr lvl="3"/>
@@ -1439,7 +1418,6 @@
               <a:rPr lang="en-US"/>
               <a:t>Fourth level</a:t>
             </a:r>
-            <a:endParaRPr lang="en-US"/>
           </a:p>
           <a:p>
             <a:pPr lvl="4"/>
@@ -1447,7 +1425,6 @@
               <a:rPr lang="en-US"/>
               <a:t>Fifth level</a:t>
             </a:r>
-            <a:endParaRPr lang="en-US"/>
           </a:p>
         </p:txBody>
       </p:sp>
@@ -1513,7 +1490,6 @@
               <a:rPr lang="en-US"/>
               <a:t>Click to edit Master text styles</a:t>
             </a:r>
-            <a:endParaRPr lang="en-US"/>
           </a:p>
         </p:txBody>
       </p:sp>
@@ -1542,7 +1518,6 @@
               <a:rPr lang="en-US"/>
               <a:t>Click to edit Master text styles</a:t>
             </a:r>
-            <a:endParaRPr lang="en-US"/>
           </a:p>
           <a:p>
             <a:pPr lvl="1"/>
@@ -1550,7 +1525,6 @@
               <a:rPr lang="en-US"/>
               <a:t>Second level</a:t>
             </a:r>
-            <a:endParaRPr lang="en-US"/>
           </a:p>
           <a:p>
             <a:pPr lvl="2"/>
@@ -1558,7 +1532,6 @@
               <a:rPr lang="en-US"/>
               <a:t>Third level</a:t>
             </a:r>
-            <a:endParaRPr lang="en-US"/>
           </a:p>
           <a:p>
             <a:pPr lvl="3"/>
@@ -1566,7 +1539,6 @@
               <a:rPr lang="en-US"/>
               <a:t>Fourth level</a:t>
             </a:r>
-            <a:endParaRPr lang="en-US"/>
           </a:p>
           <a:p>
             <a:pPr lvl="4"/>
@@ -1574,7 +1546,6 @@
               <a:rPr lang="en-US"/>
               <a:t>Fifth level</a:t>
             </a:r>
-            <a:endParaRPr lang="en-US"/>
           </a:p>
         </p:txBody>
       </p:sp>
@@ -1595,6 +1566,7 @@
           <a:p>
             <a:fld id="{63A1C593-65D0-4073-BCC9-577B9352EA97}" type="datetimeFigureOut">
               <a:rPr lang="en-US" smtClean="0"/>
+              <a:t>7/9/2024</a:t>
             </a:fld>
             <a:endParaRPr lang="en-US"/>
           </a:p>
@@ -1636,6 +1608,7 @@
           <a:p>
             <a:fld id="{9B618960-8005-486C-9A75-10CB2AAC16F9}" type="slidenum">
               <a:rPr lang="en-US" smtClean="0"/>
+              <a:t>‹#›</a:t>
             </a:fld>
             <a:endParaRPr lang="en-US"/>
           </a:p>
@@ -1685,7 +1658,6 @@
               <a:rPr lang="en-US"/>
               <a:t>Click to edit Master title style</a:t>
             </a:r>
-            <a:endParaRPr lang="en-US"/>
           </a:p>
         </p:txBody>
       </p:sp>
@@ -1706,6 +1678,7 @@
           <a:p>
             <a:fld id="{63A1C593-65D0-4073-BCC9-577B9352EA97}" type="datetimeFigureOut">
               <a:rPr lang="en-US" smtClean="0"/>
+              <a:t>7/9/2024</a:t>
             </a:fld>
             <a:endParaRPr lang="en-US"/>
           </a:p>
@@ -1747,6 +1720,7 @@
           <a:p>
             <a:fld id="{9B618960-8005-486C-9A75-10CB2AAC16F9}" type="slidenum">
               <a:rPr lang="en-US" smtClean="0"/>
+              <a:t>‹#›</a:t>
             </a:fld>
             <a:endParaRPr lang="en-US"/>
           </a:p>
@@ -1794,6 +1768,7 @@
           <a:p>
             <a:fld id="{63A1C593-65D0-4073-BCC9-577B9352EA97}" type="datetimeFigureOut">
               <a:rPr lang="en-US" smtClean="0"/>
+              <a:t>7/9/2024</a:t>
             </a:fld>
             <a:endParaRPr lang="en-US"/>
           </a:p>
@@ -1835,6 +1810,7 @@
           <a:p>
             <a:fld id="{9B618960-8005-486C-9A75-10CB2AAC16F9}" type="slidenum">
               <a:rPr lang="en-US" smtClean="0"/>
+              <a:t>‹#›</a:t>
             </a:fld>
             <a:endParaRPr lang="en-US"/>
           </a:p>
@@ -1893,7 +1869,6 @@
               <a:rPr lang="en-US"/>
               <a:t>Click to edit Master title style</a:t>
             </a:r>
-            <a:endParaRPr lang="en-US"/>
           </a:p>
         </p:txBody>
       </p:sp>
@@ -1950,7 +1925,6 @@
               <a:rPr lang="en-US"/>
               <a:t>Click to edit Master text styles</a:t>
             </a:r>
-            <a:endParaRPr lang="en-US"/>
           </a:p>
           <a:p>
             <a:pPr lvl="1"/>
@@ -1958,7 +1932,6 @@
               <a:rPr lang="en-US"/>
               <a:t>Second level</a:t>
             </a:r>
-            <a:endParaRPr lang="en-US"/>
           </a:p>
           <a:p>
             <a:pPr lvl="2"/>
@@ -1966,7 +1939,6 @@
               <a:rPr lang="en-US"/>
               <a:t>Third level</a:t>
             </a:r>
-            <a:endParaRPr lang="en-US"/>
           </a:p>
           <a:p>
             <a:pPr lvl="3"/>
@@ -1974,7 +1946,6 @@
               <a:rPr lang="en-US"/>
               <a:t>Fourth level</a:t>
             </a:r>
-            <a:endParaRPr lang="en-US"/>
           </a:p>
           <a:p>
             <a:pPr lvl="4"/>
@@ -1982,7 +1953,6 @@
               <a:rPr lang="en-US"/>
               <a:t>Fifth level</a:t>
             </a:r>
-            <a:endParaRPr lang="en-US"/>
           </a:p>
         </p:txBody>
       </p:sp>
@@ -2048,7 +2018,6 @@
               <a:rPr lang="en-US"/>
               <a:t>Click to edit Master text styles</a:t>
             </a:r>
-            <a:endParaRPr lang="en-US"/>
           </a:p>
         </p:txBody>
       </p:sp>
@@ -2069,6 +2038,7 @@
           <a:p>
             <a:fld id="{63A1C593-65D0-4073-BCC9-577B9352EA97}" type="datetimeFigureOut">
               <a:rPr lang="en-US" smtClean="0"/>
+              <a:t>7/9/2024</a:t>
             </a:fld>
             <a:endParaRPr lang="en-US"/>
           </a:p>
@@ -2110,6 +2080,7 @@
           <a:p>
             <a:fld id="{9B618960-8005-486C-9A75-10CB2AAC16F9}" type="slidenum">
               <a:rPr lang="en-US" smtClean="0"/>
+              <a:t>‹#›</a:t>
             </a:fld>
             <a:endParaRPr lang="en-US"/>
           </a:p>
@@ -2168,7 +2139,6 @@
               <a:rPr lang="en-US"/>
               <a:t>Click to edit Master title style</a:t>
             </a:r>
-            <a:endParaRPr lang="en-US"/>
           </a:p>
         </p:txBody>
       </p:sp>
@@ -2295,7 +2265,6 @@
               <a:rPr lang="en-US"/>
               <a:t>Click to edit Master text styles</a:t>
             </a:r>
-            <a:endParaRPr lang="en-US"/>
           </a:p>
         </p:txBody>
       </p:sp>
@@ -2316,6 +2285,7 @@
           <a:p>
             <a:fld id="{63A1C593-65D0-4073-BCC9-577B9352EA97}" type="datetimeFigureOut">
               <a:rPr lang="en-US" smtClean="0"/>
+              <a:t>7/9/2024</a:t>
             </a:fld>
             <a:endParaRPr lang="en-US"/>
           </a:p>
@@ -2357,6 +2327,7 @@
           <a:p>
             <a:fld id="{9B618960-8005-486C-9A75-10CB2AAC16F9}" type="slidenum">
               <a:rPr lang="en-US" smtClean="0"/>
+              <a:t>‹#›</a:t>
             </a:fld>
             <a:endParaRPr lang="en-US"/>
           </a:p>
@@ -2421,7 +2392,6 @@
               <a:rPr lang="en-US"/>
               <a:t>Click to edit Master title style</a:t>
             </a:r>
-            <a:endParaRPr lang="en-US"/>
           </a:p>
         </p:txBody>
       </p:sp>
@@ -2455,7 +2425,6 @@
               <a:rPr lang="en-US"/>
               <a:t>Click to edit Master text styles</a:t>
             </a:r>
-            <a:endParaRPr lang="en-US"/>
           </a:p>
           <a:p>
             <a:pPr lvl="1"/>
@@ -2463,7 +2432,6 @@
               <a:rPr lang="en-US"/>
               <a:t>Second level</a:t>
             </a:r>
-            <a:endParaRPr lang="en-US"/>
           </a:p>
           <a:p>
             <a:pPr lvl="2"/>
@@ -2471,7 +2439,6 @@
               <a:rPr lang="en-US"/>
               <a:t>Third level</a:t>
             </a:r>
-            <a:endParaRPr lang="en-US"/>
           </a:p>
           <a:p>
             <a:pPr lvl="3"/>
@@ -2479,7 +2446,6 @@
               <a:rPr lang="en-US"/>
               <a:t>Fourth level</a:t>
             </a:r>
-            <a:endParaRPr lang="en-US"/>
           </a:p>
           <a:p>
             <a:pPr lvl="4"/>
@@ -2487,7 +2453,6 @@
               <a:rPr lang="en-US"/>
               <a:t>Fifth level</a:t>
             </a:r>
-            <a:endParaRPr lang="en-US"/>
           </a:p>
         </p:txBody>
       </p:sp>
@@ -2526,6 +2491,7 @@
           <a:p>
             <a:fld id="{63A1C593-65D0-4073-BCC9-577B9352EA97}" type="datetimeFigureOut">
               <a:rPr lang="en-US" smtClean="0"/>
+              <a:t>7/9/2024</a:t>
             </a:fld>
             <a:endParaRPr lang="en-US"/>
           </a:p>
@@ -2603,6 +2569,7 @@
           <a:p>
             <a:fld id="{9B618960-8005-486C-9A75-10CB2AAC16F9}" type="slidenum">
               <a:rPr lang="en-US" smtClean="0"/>
+              <a:t>‹#›</a:t>
             </a:fld>
             <a:endParaRPr lang="en-US"/>
           </a:p>
@@ -2932,77 +2899,12 @@
         </p:nvGrpSpPr>
         <p:grpSpPr>
           <a:xfrm>
-            <a:off x="1021080" y="2336800"/>
-            <a:ext cx="10608945" cy="1249680"/>
-            <a:chOff x="1608" y="3680"/>
-            <a:chExt cx="16707" cy="1968"/>
+            <a:off x="974427" y="2395220"/>
+            <a:ext cx="8820785" cy="1223645"/>
+            <a:chOff x="1608" y="3722"/>
+            <a:chExt cx="13891" cy="1927"/>
           </a:xfrm>
         </p:grpSpPr>
-        <p:pic>
-          <p:nvPicPr>
-            <p:cNvPr id="1030" name="Picture 6" descr="西安電子科技大學- 維基百科，自由的百科全書"/>
-            <p:cNvPicPr>
-              <a:picLocks noChangeAspect="1" noChangeArrowheads="1"/>
-            </p:cNvPicPr>
-            <p:nvPr/>
-          </p:nvPicPr>
-          <p:blipFill rotWithShape="1">
-            <a:blip r:embed="rId1">
-              <a:extLst>
-                <a:ext uri="{28A0092B-C50C-407E-A947-70E740481C1C}">
-                  <a14:useLocalDpi xmlns:a14="http://schemas.microsoft.com/office/drawing/2010/main" val="0"/>
-                </a:ext>
-              </a:extLst>
-            </a:blip>
-            <a:srcRect l="20417" t="1565" r="20136" b="39543"/>
-            <a:stretch>
-              <a:fillRect/>
-            </a:stretch>
-          </p:blipFill>
-          <p:spPr bwMode="auto">
-            <a:xfrm>
-              <a:off x="5606" y="3710"/>
-              <a:ext cx="1387" cy="1400"/>
-            </a:xfrm>
-            <a:prstGeom prst="rect">
-              <a:avLst/>
-            </a:prstGeom>
-            <a:noFill/>
-            <a:extLst>
-              <a:ext uri="{909E8E84-426E-40DD-AFC4-6F175D3DCCD1}">
-                <a14:hiddenFill xmlns:a14="http://schemas.microsoft.com/office/drawing/2010/main">
-                  <a:solidFill>
-                    <a:srgbClr val="FFFFFF"/>
-                  </a:solidFill>
-                </a14:hiddenFill>
-              </a:ext>
-            </a:extLst>
-          </p:spPr>
-        </p:pic>
-        <p:pic>
-          <p:nvPicPr>
-            <p:cNvPr id="6" name="图片 5"/>
-            <p:cNvPicPr>
-              <a:picLocks noChangeAspect="1"/>
-            </p:cNvPicPr>
-            <p:nvPr/>
-          </p:nvPicPr>
-          <p:blipFill>
-            <a:blip r:embed="rId2"/>
-            <a:stretch>
-              <a:fillRect/>
-            </a:stretch>
-          </p:blipFill>
-          <p:spPr>
-            <a:xfrm>
-              <a:off x="7331" y="3680"/>
-              <a:ext cx="1930" cy="1460"/>
-            </a:xfrm>
-            <a:prstGeom prst="rect">
-              <a:avLst/>
-            </a:prstGeom>
-          </p:spPr>
-        </p:pic>
         <p:pic>
           <p:nvPicPr>
             <p:cNvPr id="7" name="图片 6"/>
@@ -3012,7 +2914,7 @@
             <p:nvPr/>
           </p:nvPicPr>
           <p:blipFill>
-            <a:blip r:embed="rId3"/>
+            <a:blip r:embed="rId2"/>
             <a:stretch>
               <a:fillRect/>
             </a:stretch>
@@ -3036,7 +2938,7 @@
             <p:nvPr/>
           </p:nvPicPr>
           <p:blipFill>
-            <a:blip r:embed="rId4"/>
+            <a:blip r:embed="rId3"/>
             <a:stretch>
               <a:fillRect/>
             </a:stretch>
@@ -3060,7 +2962,7 @@
             <p:nvPr/>
           </p:nvPicPr>
           <p:blipFill>
-            <a:blip r:embed="rId5"/>
+            <a:blip r:embed="rId4"/>
             <a:stretch>
               <a:fillRect/>
             </a:stretch>
@@ -3069,30 +2971,6 @@
             <a:xfrm>
               <a:off x="13454" y="3735"/>
               <a:ext cx="1530" cy="1460"/>
-            </a:xfrm>
-            <a:prstGeom prst="rect">
-              <a:avLst/>
-            </a:prstGeom>
-          </p:spPr>
-        </p:pic>
-        <p:pic>
-          <p:nvPicPr>
-            <p:cNvPr id="10" name="图片 9"/>
-            <p:cNvPicPr>
-              <a:picLocks noChangeAspect="1"/>
-            </p:cNvPicPr>
-            <p:nvPr/>
-          </p:nvPicPr>
-          <p:blipFill>
-            <a:blip r:embed="rId6"/>
-            <a:stretch>
-              <a:fillRect/>
-            </a:stretch>
-          </p:blipFill>
-          <p:spPr>
-            <a:xfrm>
-              <a:off x="15325" y="3835"/>
-              <a:ext cx="2990" cy="1190"/>
             </a:xfrm>
             <a:prstGeom prst="rect">
               <a:avLst/>
@@ -3108,7 +2986,7 @@
           <p:spPr>
             <a:xfrm>
               <a:off x="1608" y="5116"/>
-              <a:ext cx="16169" cy="533"/>
+              <a:ext cx="13891" cy="533"/>
             </a:xfrm>
             <a:prstGeom prst="rect">
               <a:avLst/>
@@ -3122,6 +3000,17 @@
             <a:lstStyle/>
             <a:p>
               <a:r>
+                <a:rPr lang="en-US" sz="1600">
+                  <a:solidFill>
+                    <a:schemeClr val="tx1">
+                      <a:lumMod val="50000"/>
+                      <a:lumOff val="50000"/>
+                    </a:schemeClr>
+                  </a:solidFill>
+                </a:rPr>
+                <a:t>HCMA 2024 </a:t>
+              </a:r>
+              <a:r>
                 <a:rPr lang="en-US" sz="1600" dirty="0">
                   <a:solidFill>
                     <a:schemeClr val="tx1">
@@ -3130,7 +3019,51 @@
                     </a:schemeClr>
                   </a:solidFill>
                 </a:rPr>
-                <a:t>HUMA 2022 is organized in collaboration with NWPT, XDU, JD AI Research, UESTC, Tsinghua University, and IBM Research.</a:t>
+                <a:t>is organized in collaboration with NWPT</a:t>
+              </a:r>
+              <a:r>
+                <a:rPr lang="en-US" sz="1600">
+                  <a:solidFill>
+                    <a:schemeClr val="tx1">
+                      <a:lumMod val="50000"/>
+                      <a:lumOff val="50000"/>
+                    </a:schemeClr>
+                  </a:solidFill>
+                </a:rPr>
+                <a:t>, USTC, A*STAR, RUC, UESTC</a:t>
+              </a:r>
+              <a:r>
+                <a:rPr lang="en-US" sz="1600" dirty="0">
+                  <a:solidFill>
+                    <a:schemeClr val="tx1">
+                      <a:lumMod val="50000"/>
+                      <a:lumOff val="50000"/>
+                    </a:schemeClr>
+                  </a:solidFill>
+                </a:rPr>
+                <a:t>, </a:t>
+              </a:r>
+              <a:r>
+                <a:rPr lang="en-US" sz="1600">
+                  <a:solidFill>
+                    <a:schemeClr val="tx1">
+                      <a:lumMod val="50000"/>
+                      <a:lumOff val="50000"/>
+                    </a:schemeClr>
+                  </a:solidFill>
+                </a:rPr>
+                <a:t>Tsinghua University</a:t>
+              </a:r>
+              <a:r>
+                <a:rPr lang="zh-CN" altLang="en-US" sz="1600">
+                  <a:solidFill>
+                    <a:schemeClr val="tx1">
+                      <a:lumMod val="50000"/>
+                      <a:lumOff val="50000"/>
+                    </a:schemeClr>
+                  </a:solidFill>
+                </a:rPr>
+                <a:t>。 </a:t>
               </a:r>
               <a:endParaRPr lang="en-US" sz="1600" dirty="0">
                 <a:solidFill>
@@ -3152,7 +3085,7 @@
             <p:nvPr/>
           </p:nvPicPr>
           <p:blipFill rotWithShape="1">
-            <a:blip r:embed="rId7">
+            <a:blip r:embed="rId5">
               <a:extLst>
                 <a:ext uri="{28A0092B-C50C-407E-A947-70E740481C1C}">
                   <a14:useLocalDpi xmlns:a14="http://schemas.microsoft.com/office/drawing/2010/main" val="0"/>
@@ -3166,7 +3099,7 @@
           </p:blipFill>
           <p:spPr bwMode="auto">
             <a:xfrm>
-              <a:off x="9599" y="3735"/>
+              <a:off x="7475" y="3722"/>
               <a:ext cx="1780" cy="1327"/>
             </a:xfrm>
             <a:prstGeom prst="rect">
@@ -3193,7 +3126,7 @@
             <p:nvPr/>
           </p:nvPicPr>
           <p:blipFill>
-            <a:blip r:embed="rId8"/>
+            <a:blip r:embed="rId6"/>
             <a:stretch>
               <a:fillRect/>
             </a:stretch>
@@ -3209,6 +3142,128 @@
           </p:spPr>
         </p:pic>
       </p:grpSp>
+      <p:pic>
+        <p:nvPicPr>
+          <p:cNvPr id="2" name="Picture 2" descr="University of Science and Technology of China - Wikipedia">
+            <a:extLst>
+              <a:ext uri="{FF2B5EF4-FFF2-40B4-BE49-F238E27FC236}">
+                <a16:creationId xmlns:a16="http://schemas.microsoft.com/office/drawing/2014/main" id="{6E68F7CB-6E91-49DD-55F2-0A2C5F44B608}"/>
+              </a:ext>
+            </a:extLst>
+          </p:cNvPr>
+          <p:cNvPicPr>
+            <a:picLocks noChangeAspect="1" noChangeArrowheads="1"/>
+          </p:cNvPicPr>
+          <p:nvPr/>
+        </p:nvPicPr>
+        <p:blipFill>
+          <a:blip r:embed="rId7" cstate="print">
+            <a:extLst>
+              <a:ext uri="{28A0092B-C50C-407E-A947-70E740481C1C}">
+                <a14:useLocalDpi xmlns:a14="http://schemas.microsoft.com/office/drawing/2010/main" val="0"/>
+              </a:ext>
+            </a:extLst>
+          </a:blip>
+          <a:srcRect/>
+          <a:stretch>
+            <a:fillRect/>
+          </a:stretch>
+        </p:blipFill>
+        <p:spPr bwMode="auto">
+          <a:xfrm>
+            <a:off x="3500775" y="2426970"/>
+            <a:ext cx="889000" cy="889000"/>
+          </a:xfrm>
+          <a:prstGeom prst="rect">
+            <a:avLst/>
+          </a:prstGeom>
+          <a:noFill/>
+          <a:extLst>
+            <a:ext uri="{909E8E84-426E-40DD-AFC4-6F175D3DCCD1}">
+              <a14:hiddenFill xmlns:a14="http://schemas.microsoft.com/office/drawing/2010/main">
+                <a:solidFill>
+                  <a:srgbClr val="FFFFFF"/>
+                </a:solidFill>
+              </a14:hiddenFill>
+            </a:ext>
+          </a:extLst>
+        </p:spPr>
+      </p:pic>
+      <p:sp>
+        <p:nvSpPr>
+          <p:cNvPr id="13" name="AutoShape 8" descr="Renmin University of China - Wikipedia">
+            <a:extLst>
+              <a:ext uri="{FF2B5EF4-FFF2-40B4-BE49-F238E27FC236}">
+                <a16:creationId xmlns:a16="http://schemas.microsoft.com/office/drawing/2014/main" id="{464B4C63-832A-347E-1BFE-9FEED486F303}"/>
+              </a:ext>
+            </a:extLst>
+          </p:cNvPr>
+          <p:cNvSpPr>
+            <a:spLocks noChangeAspect="1" noChangeArrowheads="1"/>
+          </p:cNvSpPr>
+          <p:nvPr/>
+        </p:nvSpPr>
+        <p:spPr bwMode="auto">
+          <a:xfrm>
+            <a:off x="5943599" y="3276599"/>
+            <a:ext cx="2041849" cy="2041849"/>
+          </a:xfrm>
+          <a:prstGeom prst="rect">
+            <a:avLst/>
+          </a:prstGeom>
+          <a:noFill/>
+          <a:extLst>
+            <a:ext uri="{909E8E84-426E-40DD-AFC4-6F175D3DCCD1}">
+              <a14:hiddenFill xmlns:a14="http://schemas.microsoft.com/office/drawing/2010/main">
+                <a:solidFill>
+                  <a:srgbClr val="FFFFFF"/>
+                </a:solidFill>
+              </a14:hiddenFill>
+            </a:ext>
+          </a:extLst>
+        </p:spPr>
+        <p:txBody>
+          <a:bodyPr vert="horz" wrap="square" lIns="91440" tIns="45720" rIns="91440" bIns="45720" numCol="1" anchor="t" anchorCtr="0" compatLnSpc="1">
+            <a:prstTxWarp prst="textNoShape">
+              <a:avLst/>
+            </a:prstTxWarp>
+          </a:bodyPr>
+          <a:lstStyle/>
+          <a:p>
+            <a:endParaRPr lang="en-US"/>
+          </a:p>
+        </p:txBody>
+      </p:sp>
+      <p:pic>
+        <p:nvPicPr>
+          <p:cNvPr id="16" name="Picture 15">
+            <a:extLst>
+              <a:ext uri="{FF2B5EF4-FFF2-40B4-BE49-F238E27FC236}">
+                <a16:creationId xmlns:a16="http://schemas.microsoft.com/office/drawing/2014/main" id="{270EDC71-B41E-211E-B2A4-4666B3530D88}"/>
+              </a:ext>
+            </a:extLst>
+          </p:cNvPr>
+          <p:cNvPicPr>
+            <a:picLocks noChangeAspect="1"/>
+          </p:cNvPicPr>
+          <p:nvPr/>
+        </p:nvPicPr>
+        <p:blipFill>
+          <a:blip r:embed="rId8"/>
+          <a:stretch>
+            <a:fillRect/>
+          </a:stretch>
+        </p:blipFill>
+        <p:spPr>
+          <a:xfrm>
+            <a:off x="6096000" y="2394040"/>
+            <a:ext cx="922976" cy="914310"/>
+          </a:xfrm>
+          <a:prstGeom prst="rect">
+            <a:avLst/>
+          </a:prstGeom>
+        </p:spPr>
+      </p:pic>
     </p:spTree>
   </p:cSld>
   <p:clrMapOvr>
@@ -3218,7 +3273,7 @@
 </file>
 
 <file path=ppt/tags/tag1.xml><?xml version="1.0" encoding="utf-8"?>
-<p:tagLst xmlns:p="http://schemas.openxmlformats.org/presentationml/2006/main">
+<p:tagLst xmlns:a="http://schemas.openxmlformats.org/drawingml/2006/main" xmlns:r="http://schemas.openxmlformats.org/officeDocument/2006/relationships" xmlns:p="http://schemas.openxmlformats.org/presentationml/2006/main">
   <p:tag name="KSO_WPP_MARK_KEY" val="cc5c3178-a309-4fd6-b971-e32ed4566437"/>
   <p:tag name="COMMONDATA" val="eyJoZGlkIjoiMjlkNjUxNDJjOWEzYzYyZDAzYzUwMTNiZjIyNzFmZTIifQ=="/>
 </p:tagLst>
@@ -3475,6 +3530,8 @@
       </a:bgFillStyleLst>
     </a:fmtScheme>
   </a:themeElements>
+  <a:objectDefaults/>
+  <a:extraClrSchemeLst/>
   <a:extLst>
     <a:ext uri="{05A4C25C-085E-4340-85A3-A5531E510DB2}">
       <thm15:themeFamily xmlns:thm15="http://schemas.microsoft.com/office/thememl/2012/main" name="Office Theme" id="{62F939B6-93AF-4DB8-9C6B-D6C7DFDC589F}" vid="{4A3C46E8-61CC-4603-A589-7422A47A8E4A}"/>
